--- a/Modules/ITD/Week 1/Slides/ITD_01_Augmented Reality.pptx
+++ b/Modules/ITD/Week 1/Slides/ITD_01_Augmented Reality.pptx
@@ -5,7 +5,7 @@
     <p:sldMasterId id="2147483660" r:id="rId1"/>
   </p:sldMasterIdLst>
   <p:notesMasterIdLst>
-    <p:notesMasterId r:id="rId33"/>
+    <p:notesMasterId r:id="rId32"/>
   </p:notesMasterIdLst>
   <p:sldIdLst>
     <p:sldId id="256" r:id="rId2"/>
@@ -31,14 +31,13 @@
     <p:sldId id="290" r:id="rId22"/>
     <p:sldId id="291" r:id="rId23"/>
     <p:sldId id="292" r:id="rId24"/>
-    <p:sldId id="307" r:id="rId25"/>
-    <p:sldId id="299" r:id="rId26"/>
-    <p:sldId id="294" r:id="rId27"/>
-    <p:sldId id="295" r:id="rId28"/>
-    <p:sldId id="296" r:id="rId29"/>
-    <p:sldId id="297" r:id="rId30"/>
-    <p:sldId id="308" r:id="rId31"/>
-    <p:sldId id="305" r:id="rId32"/>
+    <p:sldId id="299" r:id="rId25"/>
+    <p:sldId id="294" r:id="rId26"/>
+    <p:sldId id="295" r:id="rId27"/>
+    <p:sldId id="296" r:id="rId28"/>
+    <p:sldId id="297" r:id="rId29"/>
+    <p:sldId id="308" r:id="rId30"/>
+    <p:sldId id="305" r:id="rId31"/>
   </p:sldIdLst>
   <p:sldSz cx="12192000" cy="6858000"/>
   <p:notesSz cx="6858000" cy="9144000"/>
@@ -227,7 +226,7 @@
           <a:p>
             <a:fld id="{1C633808-4D66-4A18-AEB5-16F5EA9B7D51}" type="datetimeFigureOut">
               <a:rPr lang="en-US" smtClean="0"/>
-              <a:t>10/14/2021</a:t>
+              <a:t>10/20/2021</a:t>
             </a:fld>
             <a:endParaRPr lang="en-US"/>
           </a:p>
@@ -641,7 +640,7 @@
           <a:p>
             <a:fld id="{6C36B2C3-558B-48FB-A029-22CFB7392BA1}" type="datetimeFigureOut">
               <a:rPr lang="en-US" smtClean="0"/>
-              <a:t>10/14/2021</a:t>
+              <a:t>10/20/2021</a:t>
             </a:fld>
             <a:endParaRPr lang="en-US"/>
           </a:p>
@@ -839,7 +838,7 @@
           <a:p>
             <a:fld id="{6C36B2C3-558B-48FB-A029-22CFB7392BA1}" type="datetimeFigureOut">
               <a:rPr lang="en-US" smtClean="0"/>
-              <a:t>10/14/2021</a:t>
+              <a:t>10/20/2021</a:t>
             </a:fld>
             <a:endParaRPr lang="en-US"/>
           </a:p>
@@ -1047,7 +1046,7 @@
           <a:p>
             <a:fld id="{6C36B2C3-558B-48FB-A029-22CFB7392BA1}" type="datetimeFigureOut">
               <a:rPr lang="en-US" smtClean="0"/>
-              <a:t>10/14/2021</a:t>
+              <a:t>10/20/2021</a:t>
             </a:fld>
             <a:endParaRPr lang="en-US"/>
           </a:p>
@@ -1245,7 +1244,7 @@
           <a:p>
             <a:fld id="{6C36B2C3-558B-48FB-A029-22CFB7392BA1}" type="datetimeFigureOut">
               <a:rPr lang="en-US" smtClean="0"/>
-              <a:t>10/14/2021</a:t>
+              <a:t>10/20/2021</a:t>
             </a:fld>
             <a:endParaRPr lang="en-US" dirty="0"/>
           </a:p>
@@ -1691,7 +1690,7 @@
           <a:p>
             <a:fld id="{6C36B2C3-558B-48FB-A029-22CFB7392BA1}" type="datetimeFigureOut">
               <a:rPr lang="en-US" smtClean="0"/>
-              <a:t>10/14/2021</a:t>
+              <a:t>10/20/2021</a:t>
             </a:fld>
             <a:endParaRPr lang="en-US"/>
           </a:p>
@@ -1956,7 +1955,7 @@
           <a:p>
             <a:fld id="{6C36B2C3-558B-48FB-A029-22CFB7392BA1}" type="datetimeFigureOut">
               <a:rPr lang="en-US" smtClean="0"/>
-              <a:t>10/14/2021</a:t>
+              <a:t>10/20/2021</a:t>
             </a:fld>
             <a:endParaRPr lang="en-US"/>
           </a:p>
@@ -2368,7 +2367,7 @@
           <a:p>
             <a:fld id="{6C36B2C3-558B-48FB-A029-22CFB7392BA1}" type="datetimeFigureOut">
               <a:rPr lang="en-US" smtClean="0"/>
-              <a:t>10/14/2021</a:t>
+              <a:t>10/20/2021</a:t>
             </a:fld>
             <a:endParaRPr lang="en-US"/>
           </a:p>
@@ -2509,7 +2508,7 @@
           <a:p>
             <a:fld id="{6C36B2C3-558B-48FB-A029-22CFB7392BA1}" type="datetimeFigureOut">
               <a:rPr lang="en-US" smtClean="0"/>
-              <a:t>10/14/2021</a:t>
+              <a:t>10/20/2021</a:t>
             </a:fld>
             <a:endParaRPr lang="en-US"/>
           </a:p>
@@ -2622,7 +2621,7 @@
           <a:p>
             <a:fld id="{6C36B2C3-558B-48FB-A029-22CFB7392BA1}" type="datetimeFigureOut">
               <a:rPr lang="en-US" smtClean="0"/>
-              <a:t>10/14/2021</a:t>
+              <a:t>10/20/2021</a:t>
             </a:fld>
             <a:endParaRPr lang="en-US"/>
           </a:p>
@@ -2933,7 +2932,7 @@
           <a:p>
             <a:fld id="{6C36B2C3-558B-48FB-A029-22CFB7392BA1}" type="datetimeFigureOut">
               <a:rPr lang="en-US" smtClean="0"/>
-              <a:t>10/14/2021</a:t>
+              <a:t>10/20/2021</a:t>
             </a:fld>
             <a:endParaRPr lang="en-US"/>
           </a:p>
@@ -3224,7 +3223,7 @@
           <a:p>
             <a:fld id="{6C36B2C3-558B-48FB-A029-22CFB7392BA1}" type="datetimeFigureOut">
               <a:rPr lang="en-US" smtClean="0"/>
-              <a:t>10/14/2021</a:t>
+              <a:t>10/20/2021</a:t>
             </a:fld>
             <a:endParaRPr lang="en-US"/>
           </a:p>
@@ -3465,7 +3464,7 @@
           <a:p>
             <a:fld id="{6C36B2C3-558B-48FB-A029-22CFB7392BA1}" type="datetimeFigureOut">
               <a:rPr lang="en-US" smtClean="0"/>
-              <a:t>10/14/2021</a:t>
+              <a:t>10/20/2021</a:t>
             </a:fld>
             <a:endParaRPr lang="en-US"/>
           </a:p>
@@ -8179,119 +8178,6 @@
               <a:rPr lang="en-US" dirty="0">
                 <a:latin typeface="Bahnschrift" panose="020B0502040204020203" pitchFamily="34" charset="0"/>
               </a:rPr>
-              <a:t>Your turn!</a:t>
-            </a:r>
-          </a:p>
-        </p:txBody>
-      </p:sp>
-      <p:sp>
-        <p:nvSpPr>
-          <p:cNvPr id="12" name="Content Placeholder 2">
-            <a:extLst>
-              <a:ext uri="{FF2B5EF4-FFF2-40B4-BE49-F238E27FC236}">
-                <a16:creationId xmlns:a16="http://schemas.microsoft.com/office/drawing/2014/main" id="{6F36D6E1-16B7-427F-89CC-C213C8C6871E}"/>
-              </a:ext>
-            </a:extLst>
-          </p:cNvPr>
-          <p:cNvSpPr>
-            <a:spLocks noGrp="1"/>
-          </p:cNvSpPr>
-          <p:nvPr>
-            <p:ph idx="1"/>
-          </p:nvPr>
-        </p:nvSpPr>
-        <p:spPr>
-          <a:xfrm>
-            <a:off x="838200" y="1690689"/>
-            <a:ext cx="10515600" cy="4486274"/>
-          </a:xfrm>
-        </p:spPr>
-        <p:txBody>
-          <a:bodyPr>
-            <a:normAutofit/>
-          </a:bodyPr>
-          <a:lstStyle/>
-          <a:p>
-            <a:r>
-              <a:rPr lang="en-US" sz="2400" dirty="0">
-                <a:latin typeface="Bahnschrift" panose="020B0502040204020203" pitchFamily="34" charset="0"/>
-              </a:rPr>
-              <a:t>Import the </a:t>
-            </a:r>
-            <a:r>
-              <a:rPr lang="en-US" sz="2400" dirty="0" err="1">
-                <a:latin typeface="Bahnschrift" panose="020B0502040204020203" pitchFamily="34" charset="0"/>
-              </a:rPr>
-              <a:t>Vufo</a:t>
-            </a:r>
-            <a:endParaRPr lang="en-US" sz="2400" dirty="0">
-              <a:latin typeface="Bahnschrift" panose="020B0502040204020203" pitchFamily="34" charset="0"/>
-            </a:endParaRPr>
-          </a:p>
-          <a:p>
-            <a:endParaRPr lang="en-US" sz="2400" dirty="0">
-              <a:latin typeface="Bahnschrift" panose="020B0502040204020203" pitchFamily="34" charset="0"/>
-            </a:endParaRPr>
-          </a:p>
-        </p:txBody>
-      </p:sp>
-    </p:spTree>
-    <p:extLst>
-      <p:ext uri="{BB962C8B-B14F-4D97-AF65-F5344CB8AC3E}">
-        <p14:creationId xmlns:p14="http://schemas.microsoft.com/office/powerpoint/2010/main" val="711828412"/>
-      </p:ext>
-    </p:extLst>
-  </p:cSld>
-  <p:clrMapOvr>
-    <a:masterClrMapping/>
-  </p:clrMapOvr>
-</p:sld>
-</file>
-
-<file path=ppt/slides/slide25.xml><?xml version="1.0" encoding="utf-8"?>
-<p:sld xmlns:a="http://schemas.openxmlformats.org/drawingml/2006/main" xmlns:r="http://schemas.openxmlformats.org/officeDocument/2006/relationships" xmlns:p="http://schemas.openxmlformats.org/presentationml/2006/main">
-  <p:cSld>
-    <p:spTree>
-      <p:nvGrpSpPr>
-        <p:cNvPr id="1" name=""/>
-        <p:cNvGrpSpPr/>
-        <p:nvPr/>
-      </p:nvGrpSpPr>
-      <p:grpSpPr>
-        <a:xfrm>
-          <a:off x="0" y="0"/>
-          <a:ext cx="0" cy="0"/>
-          <a:chOff x="0" y="0"/>
-          <a:chExt cx="0" cy="0"/>
-        </a:xfrm>
-      </p:grpSpPr>
-      <p:sp>
-        <p:nvSpPr>
-          <p:cNvPr id="2" name="Title 1">
-            <a:extLst>
-              <a:ext uri="{FF2B5EF4-FFF2-40B4-BE49-F238E27FC236}">
-                <a16:creationId xmlns:a16="http://schemas.microsoft.com/office/drawing/2014/main" id="{264E5970-3812-4B23-BF67-26CB2C14C1EB}"/>
-              </a:ext>
-            </a:extLst>
-          </p:cNvPr>
-          <p:cNvSpPr>
-            <a:spLocks noGrp="1"/>
-          </p:cNvSpPr>
-          <p:nvPr>
-            <p:ph type="title"/>
-          </p:nvPr>
-        </p:nvSpPr>
-        <p:spPr/>
-        <p:txBody>
-          <a:bodyPr>
-            <a:normAutofit/>
-          </a:bodyPr>
-          <a:lstStyle/>
-          <a:p>
-            <a:r>
-              <a:rPr lang="en-US" dirty="0">
-                <a:latin typeface="Bahnschrift" panose="020B0502040204020203" pitchFamily="34" charset="0"/>
-              </a:rPr>
               <a:t>Testing Vuforia</a:t>
             </a:r>
           </a:p>
@@ -8537,6 +8423,156 @@
 </p:sld>
 </file>
 
+<file path=ppt/slides/slide25.xml><?xml version="1.0" encoding="utf-8"?>
+<p:sld xmlns:a="http://schemas.openxmlformats.org/drawingml/2006/main" xmlns:r="http://schemas.openxmlformats.org/officeDocument/2006/relationships" xmlns:p="http://schemas.openxmlformats.org/presentationml/2006/main">
+  <p:cSld>
+    <p:spTree>
+      <p:nvGrpSpPr>
+        <p:cNvPr id="1" name=""/>
+        <p:cNvGrpSpPr/>
+        <p:nvPr/>
+      </p:nvGrpSpPr>
+      <p:grpSpPr>
+        <a:xfrm>
+          <a:off x="0" y="0"/>
+          <a:ext cx="0" cy="0"/>
+          <a:chOff x="0" y="0"/>
+          <a:chExt cx="0" cy="0"/>
+        </a:xfrm>
+      </p:grpSpPr>
+      <p:sp>
+        <p:nvSpPr>
+          <p:cNvPr id="2" name="Title 1">
+            <a:extLst>
+              <a:ext uri="{FF2B5EF4-FFF2-40B4-BE49-F238E27FC236}">
+                <a16:creationId xmlns:a16="http://schemas.microsoft.com/office/drawing/2014/main" id="{264E5970-3812-4B23-BF67-26CB2C14C1EB}"/>
+              </a:ext>
+            </a:extLst>
+          </p:cNvPr>
+          <p:cNvSpPr>
+            <a:spLocks noGrp="1"/>
+          </p:cNvSpPr>
+          <p:nvPr>
+            <p:ph type="title"/>
+          </p:nvPr>
+        </p:nvSpPr>
+        <p:spPr/>
+        <p:txBody>
+          <a:bodyPr>
+            <a:normAutofit/>
+          </a:bodyPr>
+          <a:lstStyle/>
+          <a:p>
+            <a:r>
+              <a:rPr lang="en-US" dirty="0">
+                <a:latin typeface="Bahnschrift" panose="020B0502040204020203" pitchFamily="34" charset="0"/>
+              </a:rPr>
+              <a:t>Testing Vuforia</a:t>
+            </a:r>
+          </a:p>
+        </p:txBody>
+      </p:sp>
+      <p:sp>
+        <p:nvSpPr>
+          <p:cNvPr id="12" name="Content Placeholder 2">
+            <a:extLst>
+              <a:ext uri="{FF2B5EF4-FFF2-40B4-BE49-F238E27FC236}">
+                <a16:creationId xmlns:a16="http://schemas.microsoft.com/office/drawing/2014/main" id="{6F36D6E1-16B7-427F-89CC-C213C8C6871E}"/>
+              </a:ext>
+            </a:extLst>
+          </p:cNvPr>
+          <p:cNvSpPr>
+            <a:spLocks noGrp="1"/>
+          </p:cNvSpPr>
+          <p:nvPr>
+            <p:ph idx="1"/>
+          </p:nvPr>
+        </p:nvSpPr>
+        <p:spPr>
+          <a:xfrm>
+            <a:off x="838200" y="1690689"/>
+            <a:ext cx="10515600" cy="4486274"/>
+          </a:xfrm>
+        </p:spPr>
+        <p:txBody>
+          <a:bodyPr>
+            <a:normAutofit lnSpcReduction="10000"/>
+          </a:bodyPr>
+          <a:lstStyle/>
+          <a:p>
+            <a:r>
+              <a:rPr lang="en-US" sz="2400" dirty="0">
+                <a:latin typeface="Bahnschrift" panose="020B0502040204020203" pitchFamily="34" charset="0"/>
+              </a:rPr>
+              <a:t>With the proper Build Settings, we can now either test our application using a webcam or an Android mobile device.</a:t>
+            </a:r>
+          </a:p>
+          <a:p>
+            <a:endParaRPr lang="en-US" sz="2400" dirty="0">
+              <a:latin typeface="Bahnschrift" panose="020B0502040204020203" pitchFamily="34" charset="0"/>
+            </a:endParaRPr>
+          </a:p>
+          <a:p>
+            <a:r>
+              <a:rPr lang="en-US" sz="2400" dirty="0">
+                <a:latin typeface="Bahnschrift" panose="020B0502040204020203" pitchFamily="34" charset="0"/>
+              </a:rPr>
+              <a:t>To use a webcam, make sure you have one connected to your computer.</a:t>
+            </a:r>
+          </a:p>
+          <a:p>
+            <a:pPr lvl="1"/>
+            <a:r>
+              <a:rPr lang="en-US" sz="2000" dirty="0">
+                <a:latin typeface="Bahnschrift" panose="020B0502040204020203" pitchFamily="34" charset="0"/>
+              </a:rPr>
+              <a:t>Unity and Vuforia may ask for permissions to be granted. Be sure to grant them, or your application will not run.</a:t>
+            </a:r>
+          </a:p>
+          <a:p>
+            <a:endParaRPr lang="en-US" sz="2400" dirty="0">
+              <a:latin typeface="Bahnschrift" panose="020B0502040204020203" pitchFamily="34" charset="0"/>
+            </a:endParaRPr>
+          </a:p>
+          <a:p>
+            <a:r>
+              <a:rPr lang="en-US" sz="2400" dirty="0">
+                <a:latin typeface="Bahnschrift" panose="020B0502040204020203" pitchFamily="34" charset="0"/>
+              </a:rPr>
+              <a:t>Press the Play button and the application should display the view of your webcam in the Game window.</a:t>
+            </a:r>
+          </a:p>
+          <a:p>
+            <a:endParaRPr lang="en-US" sz="2400" dirty="0">
+              <a:latin typeface="Bahnschrift" panose="020B0502040204020203" pitchFamily="34" charset="0"/>
+            </a:endParaRPr>
+          </a:p>
+          <a:p>
+            <a:r>
+              <a:rPr lang="en-US" sz="2400" dirty="0">
+                <a:latin typeface="Bahnschrift" panose="020B0502040204020203" pitchFamily="34" charset="0"/>
+              </a:rPr>
+              <a:t>While it does not give us the proper experience, testing directly from your development machine is often faster at the start.</a:t>
+            </a:r>
+            <a:endParaRPr lang="en-US" sz="2000" dirty="0">
+              <a:latin typeface="Bahnschrift" panose="020B0502040204020203" pitchFamily="34" charset="0"/>
+            </a:endParaRPr>
+          </a:p>
+        </p:txBody>
+      </p:sp>
+    </p:spTree>
+    <p:extLst>
+      <p:ext uri="{BB962C8B-B14F-4D97-AF65-F5344CB8AC3E}">
+        <p14:creationId xmlns:p14="http://schemas.microsoft.com/office/powerpoint/2010/main" val="3419742174"/>
+      </p:ext>
+    </p:extLst>
+  </p:cSld>
+  <p:clrMapOvr>
+    <a:masterClrMapping/>
+  </p:clrMapOvr>
+</p:sld>
+</file>
+
 <file path=ppt/slides/slide26.xml><?xml version="1.0" encoding="utf-8"?>
 <p:sld xmlns:a="http://schemas.openxmlformats.org/drawingml/2006/main" xmlns:r="http://schemas.openxmlformats.org/officeDocument/2006/relationships" xmlns:p="http://schemas.openxmlformats.org/presentationml/2006/main">
   <p:cSld>
@@ -8581,156 +8617,6 @@
               <a:rPr lang="en-US" dirty="0">
                 <a:latin typeface="Bahnschrift" panose="020B0502040204020203" pitchFamily="34" charset="0"/>
               </a:rPr>
-              <a:t>Testing Vuforia</a:t>
-            </a:r>
-          </a:p>
-        </p:txBody>
-      </p:sp>
-      <p:sp>
-        <p:nvSpPr>
-          <p:cNvPr id="12" name="Content Placeholder 2">
-            <a:extLst>
-              <a:ext uri="{FF2B5EF4-FFF2-40B4-BE49-F238E27FC236}">
-                <a16:creationId xmlns:a16="http://schemas.microsoft.com/office/drawing/2014/main" id="{6F36D6E1-16B7-427F-89CC-C213C8C6871E}"/>
-              </a:ext>
-            </a:extLst>
-          </p:cNvPr>
-          <p:cNvSpPr>
-            <a:spLocks noGrp="1"/>
-          </p:cNvSpPr>
-          <p:nvPr>
-            <p:ph idx="1"/>
-          </p:nvPr>
-        </p:nvSpPr>
-        <p:spPr>
-          <a:xfrm>
-            <a:off x="838200" y="1690689"/>
-            <a:ext cx="10515600" cy="4486274"/>
-          </a:xfrm>
-        </p:spPr>
-        <p:txBody>
-          <a:bodyPr>
-            <a:normAutofit lnSpcReduction="10000"/>
-          </a:bodyPr>
-          <a:lstStyle/>
-          <a:p>
-            <a:r>
-              <a:rPr lang="en-US" sz="2400" dirty="0">
-                <a:latin typeface="Bahnschrift" panose="020B0502040204020203" pitchFamily="34" charset="0"/>
-              </a:rPr>
-              <a:t>With the proper Build Settings, we can now either test our application using a webcam or an Android mobile device.</a:t>
-            </a:r>
-          </a:p>
-          <a:p>
-            <a:endParaRPr lang="en-US" sz="2400" dirty="0">
-              <a:latin typeface="Bahnschrift" panose="020B0502040204020203" pitchFamily="34" charset="0"/>
-            </a:endParaRPr>
-          </a:p>
-          <a:p>
-            <a:r>
-              <a:rPr lang="en-US" sz="2400" dirty="0">
-                <a:latin typeface="Bahnschrift" panose="020B0502040204020203" pitchFamily="34" charset="0"/>
-              </a:rPr>
-              <a:t>To use a webcam, make sure you have one connected to your computer.</a:t>
-            </a:r>
-          </a:p>
-          <a:p>
-            <a:pPr lvl="1"/>
-            <a:r>
-              <a:rPr lang="en-US" sz="2000" dirty="0">
-                <a:latin typeface="Bahnschrift" panose="020B0502040204020203" pitchFamily="34" charset="0"/>
-              </a:rPr>
-              <a:t>Unity and Vuforia may ask for permissions to be granted. Be sure to grant them, or your application will not run.</a:t>
-            </a:r>
-          </a:p>
-          <a:p>
-            <a:endParaRPr lang="en-US" sz="2400" dirty="0">
-              <a:latin typeface="Bahnschrift" panose="020B0502040204020203" pitchFamily="34" charset="0"/>
-            </a:endParaRPr>
-          </a:p>
-          <a:p>
-            <a:r>
-              <a:rPr lang="en-US" sz="2400" dirty="0">
-                <a:latin typeface="Bahnschrift" panose="020B0502040204020203" pitchFamily="34" charset="0"/>
-              </a:rPr>
-              <a:t>Press the Play button and the application should display the view of your webcam in the Game window.</a:t>
-            </a:r>
-          </a:p>
-          <a:p>
-            <a:endParaRPr lang="en-US" sz="2400" dirty="0">
-              <a:latin typeface="Bahnschrift" panose="020B0502040204020203" pitchFamily="34" charset="0"/>
-            </a:endParaRPr>
-          </a:p>
-          <a:p>
-            <a:r>
-              <a:rPr lang="en-US" sz="2400" dirty="0">
-                <a:latin typeface="Bahnschrift" panose="020B0502040204020203" pitchFamily="34" charset="0"/>
-              </a:rPr>
-              <a:t>While it does not give us the proper experience, testing directly from your development machine is often faster at the start.</a:t>
-            </a:r>
-            <a:endParaRPr lang="en-US" sz="2000" dirty="0">
-              <a:latin typeface="Bahnschrift" panose="020B0502040204020203" pitchFamily="34" charset="0"/>
-            </a:endParaRPr>
-          </a:p>
-        </p:txBody>
-      </p:sp>
-    </p:spTree>
-    <p:extLst>
-      <p:ext uri="{BB962C8B-B14F-4D97-AF65-F5344CB8AC3E}">
-        <p14:creationId xmlns:p14="http://schemas.microsoft.com/office/powerpoint/2010/main" val="3419742174"/>
-      </p:ext>
-    </p:extLst>
-  </p:cSld>
-  <p:clrMapOvr>
-    <a:masterClrMapping/>
-  </p:clrMapOvr>
-</p:sld>
-</file>
-
-<file path=ppt/slides/slide27.xml><?xml version="1.0" encoding="utf-8"?>
-<p:sld xmlns:a="http://schemas.openxmlformats.org/drawingml/2006/main" xmlns:r="http://schemas.openxmlformats.org/officeDocument/2006/relationships" xmlns:p="http://schemas.openxmlformats.org/presentationml/2006/main">
-  <p:cSld>
-    <p:spTree>
-      <p:nvGrpSpPr>
-        <p:cNvPr id="1" name=""/>
-        <p:cNvGrpSpPr/>
-        <p:nvPr/>
-      </p:nvGrpSpPr>
-      <p:grpSpPr>
-        <a:xfrm>
-          <a:off x="0" y="0"/>
-          <a:ext cx="0" cy="0"/>
-          <a:chOff x="0" y="0"/>
-          <a:chExt cx="0" cy="0"/>
-        </a:xfrm>
-      </p:grpSpPr>
-      <p:sp>
-        <p:nvSpPr>
-          <p:cNvPr id="2" name="Title 1">
-            <a:extLst>
-              <a:ext uri="{FF2B5EF4-FFF2-40B4-BE49-F238E27FC236}">
-                <a16:creationId xmlns:a16="http://schemas.microsoft.com/office/drawing/2014/main" id="{264E5970-3812-4B23-BF67-26CB2C14C1EB}"/>
-              </a:ext>
-            </a:extLst>
-          </p:cNvPr>
-          <p:cNvSpPr>
-            <a:spLocks noGrp="1"/>
-          </p:cNvSpPr>
-          <p:nvPr>
-            <p:ph type="title"/>
-          </p:nvPr>
-        </p:nvSpPr>
-        <p:spPr/>
-        <p:txBody>
-          <a:bodyPr>
-            <a:normAutofit/>
-          </a:bodyPr>
-          <a:lstStyle/>
-          <a:p>
-            <a:r>
-              <a:rPr lang="en-US" dirty="0">
-                <a:latin typeface="Bahnschrift" panose="020B0502040204020203" pitchFamily="34" charset="0"/>
-              </a:rPr>
               <a:t>Testing Vuforia for Android</a:t>
             </a:r>
           </a:p>
@@ -8859,7 +8745,7 @@
 </p:sld>
 </file>
 
-<file path=ppt/slides/slide28.xml><?xml version="1.0" encoding="utf-8"?>
+<file path=ppt/slides/slide27.xml><?xml version="1.0" encoding="utf-8"?>
 <p:sld xmlns:a="http://schemas.openxmlformats.org/drawingml/2006/main" xmlns:r="http://schemas.openxmlformats.org/officeDocument/2006/relationships" xmlns:p="http://schemas.openxmlformats.org/presentationml/2006/main">
   <p:cSld>
     <p:spTree>
@@ -9136,6 +9022,77 @@
 </p:sld>
 </file>
 
+<file path=ppt/slides/slide28.xml><?xml version="1.0" encoding="utf-8"?>
+<p:sld xmlns:a="http://schemas.openxmlformats.org/drawingml/2006/main" xmlns:r="http://schemas.openxmlformats.org/officeDocument/2006/relationships" xmlns:p="http://schemas.openxmlformats.org/presentationml/2006/main">
+  <p:cSld>
+    <p:spTree>
+      <p:nvGrpSpPr>
+        <p:cNvPr id="1" name=""/>
+        <p:cNvGrpSpPr/>
+        <p:nvPr/>
+      </p:nvGrpSpPr>
+      <p:grpSpPr>
+        <a:xfrm>
+          <a:off x="0" y="0"/>
+          <a:ext cx="0" cy="0"/>
+          <a:chOff x="0" y="0"/>
+          <a:chExt cx="0" cy="0"/>
+        </a:xfrm>
+      </p:grpSpPr>
+      <p:sp>
+        <p:nvSpPr>
+          <p:cNvPr id="13" name="Title 1">
+            <a:extLst>
+              <a:ext uri="{FF2B5EF4-FFF2-40B4-BE49-F238E27FC236}">
+                <a16:creationId xmlns:a16="http://schemas.microsoft.com/office/drawing/2014/main" id="{AFBCB11E-07F3-48B7-8B47-7E50039C99D4}"/>
+              </a:ext>
+            </a:extLst>
+          </p:cNvPr>
+          <p:cNvSpPr>
+            <a:spLocks noGrp="1"/>
+          </p:cNvSpPr>
+          <p:nvPr>
+            <p:ph type="title"/>
+          </p:nvPr>
+        </p:nvSpPr>
+        <p:spPr>
+          <a:xfrm>
+            <a:off x="838200" y="365125"/>
+            <a:ext cx="10515600" cy="5229340"/>
+          </a:xfrm>
+        </p:spPr>
+        <p:txBody>
+          <a:bodyPr>
+            <a:normAutofit/>
+          </a:bodyPr>
+          <a:lstStyle/>
+          <a:p>
+            <a:pPr algn="ctr"/>
+            <a:r>
+              <a:rPr lang="en-US" sz="8000" dirty="0">
+                <a:solidFill>
+                  <a:srgbClr val="00A79D"/>
+                </a:solidFill>
+                <a:latin typeface="Bahnschrift" panose="020B0502040204020203" pitchFamily="34" charset="0"/>
+              </a:rPr>
+              <a:t>Demo Time!</a:t>
+            </a:r>
+          </a:p>
+        </p:txBody>
+      </p:sp>
+    </p:spTree>
+    <p:extLst>
+      <p:ext uri="{BB962C8B-B14F-4D97-AF65-F5344CB8AC3E}">
+        <p14:creationId xmlns:p14="http://schemas.microsoft.com/office/powerpoint/2010/main" val="3808161105"/>
+      </p:ext>
+    </p:extLst>
+  </p:cSld>
+  <p:clrMapOvr>
+    <a:masterClrMapping/>
+  </p:clrMapOvr>
+</p:sld>
+</file>
+
 <file path=ppt/slides/slide29.xml><?xml version="1.0" encoding="utf-8"?>
 <p:sld xmlns:a="http://schemas.openxmlformats.org/drawingml/2006/main" xmlns:r="http://schemas.openxmlformats.org/officeDocument/2006/relationships" xmlns:p="http://schemas.openxmlformats.org/presentationml/2006/main">
   <p:cSld>
@@ -9155,10 +9112,10 @@
       </p:grpSpPr>
       <p:sp>
         <p:nvSpPr>
-          <p:cNvPr id="13" name="Title 1">
-            <a:extLst>
-              <a:ext uri="{FF2B5EF4-FFF2-40B4-BE49-F238E27FC236}">
-                <a16:creationId xmlns:a16="http://schemas.microsoft.com/office/drawing/2014/main" id="{AFBCB11E-07F3-48B7-8B47-7E50039C99D4}"/>
+          <p:cNvPr id="2" name="Title 1">
+            <a:extLst>
+              <a:ext uri="{FF2B5EF4-FFF2-40B4-BE49-F238E27FC236}">
+                <a16:creationId xmlns:a16="http://schemas.microsoft.com/office/drawing/2014/main" id="{264E5970-3812-4B23-BF67-26CB2C14C1EB}"/>
               </a:ext>
             </a:extLst>
           </p:cNvPr>
@@ -9169,35 +9126,120 @@
             <p:ph type="title"/>
           </p:nvPr>
         </p:nvSpPr>
-        <p:spPr>
-          <a:xfrm>
-            <a:off x="838200" y="365125"/>
-            <a:ext cx="10515600" cy="5229340"/>
-          </a:xfrm>
-        </p:spPr>
+        <p:spPr/>
         <p:txBody>
           <a:bodyPr>
             <a:normAutofit/>
           </a:bodyPr>
           <a:lstStyle/>
           <a:p>
-            <a:pPr algn="ctr"/>
-            <a:r>
-              <a:rPr lang="en-US" sz="8000" dirty="0">
-                <a:solidFill>
-                  <a:srgbClr val="00A79D"/>
-                </a:solidFill>
-                <a:latin typeface="Bahnschrift" panose="020B0502040204020203" pitchFamily="34" charset="0"/>
-              </a:rPr>
-              <a:t>Demo Time!</a:t>
-            </a:r>
+            <a:r>
+              <a:rPr lang="en-US" dirty="0">
+                <a:latin typeface="Bahnschrift" panose="020B0502040204020203" pitchFamily="34" charset="0"/>
+              </a:rPr>
+              <a:t>Your turn!</a:t>
+            </a:r>
+          </a:p>
+        </p:txBody>
+      </p:sp>
+      <p:sp>
+        <p:nvSpPr>
+          <p:cNvPr id="12" name="Content Placeholder 2">
+            <a:extLst>
+              <a:ext uri="{FF2B5EF4-FFF2-40B4-BE49-F238E27FC236}">
+                <a16:creationId xmlns:a16="http://schemas.microsoft.com/office/drawing/2014/main" id="{6F36D6E1-16B7-427F-89CC-C213C8C6871E}"/>
+              </a:ext>
+            </a:extLst>
+          </p:cNvPr>
+          <p:cNvSpPr>
+            <a:spLocks noGrp="1"/>
+          </p:cNvSpPr>
+          <p:nvPr>
+            <p:ph idx="1"/>
+          </p:nvPr>
+        </p:nvSpPr>
+        <p:spPr>
+          <a:xfrm>
+            <a:off x="838200" y="1690689"/>
+            <a:ext cx="10515600" cy="4486274"/>
+          </a:xfrm>
+        </p:spPr>
+        <p:txBody>
+          <a:bodyPr>
+            <a:normAutofit/>
+          </a:bodyPr>
+          <a:lstStyle/>
+          <a:p>
+            <a:r>
+              <a:rPr lang="en-US" sz="2400" dirty="0">
+                <a:latin typeface="Bahnschrift" panose="020B0502040204020203" pitchFamily="34" charset="0"/>
+              </a:rPr>
+              <a:t>Create an AR project in Unity with an Image Target in the scene.</a:t>
+            </a:r>
+          </a:p>
+          <a:p>
+            <a:endParaRPr lang="en-US" sz="2400" dirty="0">
+              <a:latin typeface="Bahnschrift" panose="020B0502040204020203" pitchFamily="34" charset="0"/>
+            </a:endParaRPr>
+          </a:p>
+          <a:p>
+            <a:r>
+              <a:rPr lang="en-US" sz="2400" dirty="0">
+                <a:latin typeface="Bahnschrift" panose="020B0502040204020203" pitchFamily="34" charset="0"/>
+              </a:rPr>
+              <a:t>Have any 3D object as the child of the Image Target so that it will spawn once the target is detected.</a:t>
+            </a:r>
+          </a:p>
+          <a:p>
+            <a:endParaRPr lang="en-US" sz="2400" dirty="0">
+              <a:latin typeface="Bahnschrift" panose="020B0502040204020203" pitchFamily="34" charset="0"/>
+            </a:endParaRPr>
+          </a:p>
+          <a:p>
+            <a:r>
+              <a:rPr lang="en-US" sz="2400" dirty="0">
+                <a:latin typeface="Bahnschrift" panose="020B0502040204020203" pitchFamily="34" charset="0"/>
+              </a:rPr>
+              <a:t>Test the application and take a screenshot (either on your laptop or phone) of the 3D object being spawned.</a:t>
+            </a:r>
+          </a:p>
+          <a:p>
+            <a:endParaRPr lang="en-US" sz="2400" dirty="0">
+              <a:latin typeface="Bahnschrift" panose="020B0502040204020203" pitchFamily="34" charset="0"/>
+            </a:endParaRPr>
+          </a:p>
+          <a:p>
+            <a:r>
+              <a:rPr lang="en-US" sz="2400" dirty="0">
+                <a:latin typeface="Bahnschrift" panose="020B0502040204020203" pitchFamily="34" charset="0"/>
+              </a:rPr>
+              <a:t>Upload the photo here: </a:t>
+            </a:r>
+            <a:r>
+              <a:rPr lang="en-US" sz="2400" dirty="0">
+                <a:latin typeface="Bahnschrift" panose="020B0502040204020203" pitchFamily="34" charset="0"/>
+                <a:hlinkClick r:id="rId2"/>
+              </a:rPr>
+              <a:t>https://docs.google.com/presentation/d/1nxLeUrjmNINSSZo4md1Y5RwHRINt1ua_CR8m0FxmbJw/edit?usp=sharing</a:t>
+            </a:r>
+            <a:endParaRPr lang="en-US" sz="2400" dirty="0">
+              <a:latin typeface="Bahnschrift" panose="020B0502040204020203" pitchFamily="34" charset="0"/>
+            </a:endParaRPr>
+          </a:p>
+          <a:p>
+            <a:pPr marL="0" indent="0">
+              <a:buNone/>
+            </a:pPr>
+            <a:endParaRPr lang="en-US" sz="2400" dirty="0">
+              <a:latin typeface="Bahnschrift" panose="020B0502040204020203" pitchFamily="34" charset="0"/>
+            </a:endParaRPr>
           </a:p>
         </p:txBody>
       </p:sp>
     </p:spTree>
     <p:extLst>
       <p:ext uri="{BB962C8B-B14F-4D97-AF65-F5344CB8AC3E}">
-        <p14:creationId xmlns:p14="http://schemas.microsoft.com/office/powerpoint/2010/main" val="3808161105"/>
+        <p14:creationId xmlns:p14="http://schemas.microsoft.com/office/powerpoint/2010/main" val="2298619097"/>
       </p:ext>
     </p:extLst>
   </p:cSld>
@@ -9336,162 +9378,6 @@
 </file>
 
 <file path=ppt/slides/slide30.xml><?xml version="1.0" encoding="utf-8"?>
-<p:sld xmlns:a="http://schemas.openxmlformats.org/drawingml/2006/main" xmlns:r="http://schemas.openxmlformats.org/officeDocument/2006/relationships" xmlns:p="http://schemas.openxmlformats.org/presentationml/2006/main">
-  <p:cSld>
-    <p:spTree>
-      <p:nvGrpSpPr>
-        <p:cNvPr id="1" name=""/>
-        <p:cNvGrpSpPr/>
-        <p:nvPr/>
-      </p:nvGrpSpPr>
-      <p:grpSpPr>
-        <a:xfrm>
-          <a:off x="0" y="0"/>
-          <a:ext cx="0" cy="0"/>
-          <a:chOff x="0" y="0"/>
-          <a:chExt cx="0" cy="0"/>
-        </a:xfrm>
-      </p:grpSpPr>
-      <p:sp>
-        <p:nvSpPr>
-          <p:cNvPr id="2" name="Title 1">
-            <a:extLst>
-              <a:ext uri="{FF2B5EF4-FFF2-40B4-BE49-F238E27FC236}">
-                <a16:creationId xmlns:a16="http://schemas.microsoft.com/office/drawing/2014/main" id="{264E5970-3812-4B23-BF67-26CB2C14C1EB}"/>
-              </a:ext>
-            </a:extLst>
-          </p:cNvPr>
-          <p:cNvSpPr>
-            <a:spLocks noGrp="1"/>
-          </p:cNvSpPr>
-          <p:nvPr>
-            <p:ph type="title"/>
-          </p:nvPr>
-        </p:nvSpPr>
-        <p:spPr/>
-        <p:txBody>
-          <a:bodyPr>
-            <a:normAutofit/>
-          </a:bodyPr>
-          <a:lstStyle/>
-          <a:p>
-            <a:r>
-              <a:rPr lang="en-US" dirty="0">
-                <a:latin typeface="Bahnschrift" panose="020B0502040204020203" pitchFamily="34" charset="0"/>
-              </a:rPr>
-              <a:t>Your turn!</a:t>
-            </a:r>
-          </a:p>
-        </p:txBody>
-      </p:sp>
-      <p:sp>
-        <p:nvSpPr>
-          <p:cNvPr id="12" name="Content Placeholder 2">
-            <a:extLst>
-              <a:ext uri="{FF2B5EF4-FFF2-40B4-BE49-F238E27FC236}">
-                <a16:creationId xmlns:a16="http://schemas.microsoft.com/office/drawing/2014/main" id="{6F36D6E1-16B7-427F-89CC-C213C8C6871E}"/>
-              </a:ext>
-            </a:extLst>
-          </p:cNvPr>
-          <p:cNvSpPr>
-            <a:spLocks noGrp="1"/>
-          </p:cNvSpPr>
-          <p:nvPr>
-            <p:ph idx="1"/>
-          </p:nvPr>
-        </p:nvSpPr>
-        <p:spPr>
-          <a:xfrm>
-            <a:off x="838200" y="1690689"/>
-            <a:ext cx="10515600" cy="4486274"/>
-          </a:xfrm>
-        </p:spPr>
-        <p:txBody>
-          <a:bodyPr>
-            <a:normAutofit/>
-          </a:bodyPr>
-          <a:lstStyle/>
-          <a:p>
-            <a:r>
-              <a:rPr lang="en-US" sz="2400" dirty="0">
-                <a:latin typeface="Bahnschrift" panose="020B0502040204020203" pitchFamily="34" charset="0"/>
-              </a:rPr>
-              <a:t>Create an AR project in Unity with an Image Target in the scene.</a:t>
-            </a:r>
-          </a:p>
-          <a:p>
-            <a:endParaRPr lang="en-US" sz="2400" dirty="0">
-              <a:latin typeface="Bahnschrift" panose="020B0502040204020203" pitchFamily="34" charset="0"/>
-            </a:endParaRPr>
-          </a:p>
-          <a:p>
-            <a:r>
-              <a:rPr lang="en-US" sz="2400" dirty="0">
-                <a:latin typeface="Bahnschrift" panose="020B0502040204020203" pitchFamily="34" charset="0"/>
-              </a:rPr>
-              <a:t>Have any 3D object as the child of the Image Target so that it will spawn once the target is detected.</a:t>
-            </a:r>
-          </a:p>
-          <a:p>
-            <a:endParaRPr lang="en-US" sz="2400" dirty="0">
-              <a:latin typeface="Bahnschrift" panose="020B0502040204020203" pitchFamily="34" charset="0"/>
-            </a:endParaRPr>
-          </a:p>
-          <a:p>
-            <a:r>
-              <a:rPr lang="en-US" sz="2400" dirty="0">
-                <a:latin typeface="Bahnschrift" panose="020B0502040204020203" pitchFamily="34" charset="0"/>
-              </a:rPr>
-              <a:t>Test the application and take a screenshot (either on your laptop or phone) of the 3D object being spawned.</a:t>
-            </a:r>
-          </a:p>
-          <a:p>
-            <a:endParaRPr lang="en-US" sz="2400" dirty="0">
-              <a:latin typeface="Bahnschrift" panose="020B0502040204020203" pitchFamily="34" charset="0"/>
-            </a:endParaRPr>
-          </a:p>
-          <a:p>
-            <a:r>
-              <a:rPr lang="en-US" sz="2400" dirty="0">
-                <a:latin typeface="Bahnschrift" panose="020B0502040204020203" pitchFamily="34" charset="0"/>
-              </a:rPr>
-              <a:t>Upload the photo here: </a:t>
-            </a:r>
-            <a:r>
-              <a:rPr lang="en-US" sz="2400" dirty="0">
-                <a:latin typeface="Bahnschrift" panose="020B0502040204020203" pitchFamily="34" charset="0"/>
-                <a:hlinkClick r:id="rId2"/>
-              </a:rPr>
-              <a:t>https://docs.google.com/presentation/d/1nxLeUrjmNINSSZo4md1Y5RwHRINt1ua_CR8m0FxmbJw/edit?usp=sharing</a:t>
-            </a:r>
-            <a:endParaRPr lang="en-US" sz="2400" dirty="0">
-              <a:latin typeface="Bahnschrift" panose="020B0502040204020203" pitchFamily="34" charset="0"/>
-            </a:endParaRPr>
-          </a:p>
-          <a:p>
-            <a:pPr marL="0" indent="0">
-              <a:buNone/>
-            </a:pPr>
-            <a:endParaRPr lang="en-US" sz="2400" dirty="0">
-              <a:latin typeface="Bahnschrift" panose="020B0502040204020203" pitchFamily="34" charset="0"/>
-            </a:endParaRPr>
-          </a:p>
-        </p:txBody>
-      </p:sp>
-    </p:spTree>
-    <p:extLst>
-      <p:ext uri="{BB962C8B-B14F-4D97-AF65-F5344CB8AC3E}">
-        <p14:creationId xmlns:p14="http://schemas.microsoft.com/office/powerpoint/2010/main" val="2298619097"/>
-      </p:ext>
-    </p:extLst>
-  </p:cSld>
-  <p:clrMapOvr>
-    <a:masterClrMapping/>
-  </p:clrMapOvr>
-</p:sld>
-</file>
-
-<file path=ppt/slides/slide31.xml><?xml version="1.0" encoding="utf-8"?>
 <p:sld xmlns:a="http://schemas.openxmlformats.org/drawingml/2006/main" xmlns:r="http://schemas.openxmlformats.org/officeDocument/2006/relationships" xmlns:p="http://schemas.openxmlformats.org/presentationml/2006/main">
   <p:cSld>
     <p:spTree>
